--- a/Documents/ppt템플릿 원본.pptx
+++ b/Documents/ppt템플릿 원본.pptx
@@ -319,7 +319,7 @@
           <a:p>
             <a:fld id="{F8166F1F-CE9B-4651-A6AA-CD717754106B}" type="datetimeFigureOut">
               <a:rPr lang="en-US" smtClean="0"/>
-              <a:t>9/25/2021</a:t>
+              <a:t>9/26/2021</a:t>
             </a:fld>
             <a:endParaRPr lang="en-US"/>
           </a:p>
@@ -482,7 +482,7 @@
           <a:p>
             <a:fld id="{A76116CE-C4A3-4A05-B2D7-7C2E9A889C0F}" type="datetimeFigureOut">
               <a:rPr lang="en-US" smtClean="0"/>
-              <a:t>9/25/2021</a:t>
+              <a:t>9/26/2021</a:t>
             </a:fld>
             <a:endParaRPr lang="en-US"/>
           </a:p>
@@ -655,7 +655,7 @@
           <a:p>
             <a:fld id="{A76116CE-C4A3-4A05-B2D7-7C2E9A889C0F}" type="datetimeFigureOut">
               <a:rPr lang="en-US" smtClean="0"/>
-              <a:t>9/25/2021</a:t>
+              <a:t>9/26/2021</a:t>
             </a:fld>
             <a:endParaRPr lang="en-US"/>
           </a:p>
@@ -820,7 +820,7 @@
           <a:p>
             <a:fld id="{A76116CE-C4A3-4A05-B2D7-7C2E9A889C0F}" type="datetimeFigureOut">
               <a:rPr lang="en-US" smtClean="0"/>
-              <a:t>9/25/2021</a:t>
+              <a:t>9/26/2021</a:t>
             </a:fld>
             <a:endParaRPr lang="en-US"/>
           </a:p>
@@ -1060,7 +1060,7 @@
           <a:p>
             <a:fld id="{A76116CE-C4A3-4A05-B2D7-7C2E9A889C0F}" type="datetimeFigureOut">
               <a:rPr lang="en-US" smtClean="0"/>
-              <a:t>9/25/2021</a:t>
+              <a:t>9/26/2021</a:t>
             </a:fld>
             <a:endParaRPr lang="en-US"/>
           </a:p>
@@ -1340,7 +1340,7 @@
           <a:p>
             <a:fld id="{A76116CE-C4A3-4A05-B2D7-7C2E9A889C0F}" type="datetimeFigureOut">
               <a:rPr lang="en-US" smtClean="0"/>
-              <a:t>9/25/2021</a:t>
+              <a:t>9/26/2021</a:t>
             </a:fld>
             <a:endParaRPr lang="en-US"/>
           </a:p>
@@ -1754,7 +1754,7 @@
           <a:p>
             <a:fld id="{A76116CE-C4A3-4A05-B2D7-7C2E9A889C0F}" type="datetimeFigureOut">
               <a:rPr lang="en-US" smtClean="0"/>
-              <a:t>9/25/2021</a:t>
+              <a:t>9/26/2021</a:t>
             </a:fld>
             <a:endParaRPr lang="en-US"/>
           </a:p>
@@ -1866,7 +1866,7 @@
           <a:p>
             <a:fld id="{A76116CE-C4A3-4A05-B2D7-7C2E9A889C0F}" type="datetimeFigureOut">
               <a:rPr lang="en-US" smtClean="0"/>
-              <a:t>9/25/2021</a:t>
+              <a:t>9/26/2021</a:t>
             </a:fld>
             <a:endParaRPr lang="en-US"/>
           </a:p>
@@ -1956,7 +1956,7 @@
           <a:p>
             <a:fld id="{A76116CE-C4A3-4A05-B2D7-7C2E9A889C0F}" type="datetimeFigureOut">
               <a:rPr lang="en-US" smtClean="0"/>
-              <a:t>9/25/2021</a:t>
+              <a:t>9/26/2021</a:t>
             </a:fld>
             <a:endParaRPr lang="en-US"/>
           </a:p>
@@ -2226,7 +2226,7 @@
           <a:p>
             <a:fld id="{A76116CE-C4A3-4A05-B2D7-7C2E9A889C0F}" type="datetimeFigureOut">
               <a:rPr lang="en-US" smtClean="0"/>
-              <a:t>9/25/2021</a:t>
+              <a:t>9/26/2021</a:t>
             </a:fld>
             <a:endParaRPr lang="en-US"/>
           </a:p>
@@ -2473,7 +2473,7 @@
           <a:p>
             <a:fld id="{A76116CE-C4A3-4A05-B2D7-7C2E9A889C0F}" type="datetimeFigureOut">
               <a:rPr lang="en-US" smtClean="0"/>
-              <a:t>9/25/2021</a:t>
+              <a:t>9/26/2021</a:t>
             </a:fld>
             <a:endParaRPr lang="en-US"/>
           </a:p>
@@ -2679,7 +2679,7 @@
           <a:p>
             <a:fld id="{F8166F1F-CE9B-4651-A6AA-CD717754106B}" type="datetimeFigureOut">
               <a:rPr lang="en-US" smtClean="0"/>
-              <a:t>9/25/2021</a:t>
+              <a:t>9/26/2021</a:t>
             </a:fld>
             <a:endParaRPr lang="en-US"/>
           </a:p>
